--- a/CSDL_1_2_22_N04_NHOM07_L3.pptx
+++ b/CSDL_1_2_22_N04_NHOM07_L3.pptx
@@ -299,7 +299,7 @@
           <a:p>
             <a:fld id="{DDC9BA76-7BAD-4FE6-AD43-5E94B1E05FEE}" type="datetimeFigureOut">
               <a:rPr lang="vi-VN" smtClean="0"/>
-              <a:t>20/04/2023</a:t>
+              <a:t>27/04/2023</a:t>
             </a:fld>
             <a:endParaRPr lang="vi-VN"/>
           </a:p>
@@ -497,7 +497,7 @@
           <a:p>
             <a:fld id="{DDC9BA76-7BAD-4FE6-AD43-5E94B1E05FEE}" type="datetimeFigureOut">
               <a:rPr lang="vi-VN" smtClean="0"/>
-              <a:t>20/04/2023</a:t>
+              <a:t>27/04/2023</a:t>
             </a:fld>
             <a:endParaRPr lang="vi-VN"/>
           </a:p>
@@ -705,7 +705,7 @@
           <a:p>
             <a:fld id="{DDC9BA76-7BAD-4FE6-AD43-5E94B1E05FEE}" type="datetimeFigureOut">
               <a:rPr lang="vi-VN" smtClean="0"/>
-              <a:t>20/04/2023</a:t>
+              <a:t>27/04/2023</a:t>
             </a:fld>
             <a:endParaRPr lang="vi-VN"/>
           </a:p>
@@ -903,7 +903,7 @@
           <a:p>
             <a:fld id="{DDC9BA76-7BAD-4FE6-AD43-5E94B1E05FEE}" type="datetimeFigureOut">
               <a:rPr lang="vi-VN" smtClean="0"/>
-              <a:t>20/04/2023</a:t>
+              <a:t>27/04/2023</a:t>
             </a:fld>
             <a:endParaRPr lang="vi-VN"/>
           </a:p>
@@ -1178,7 +1178,7 @@
           <a:p>
             <a:fld id="{DDC9BA76-7BAD-4FE6-AD43-5E94B1E05FEE}" type="datetimeFigureOut">
               <a:rPr lang="vi-VN" smtClean="0"/>
-              <a:t>20/04/2023</a:t>
+              <a:t>27/04/2023</a:t>
             </a:fld>
             <a:endParaRPr lang="vi-VN"/>
           </a:p>
@@ -1443,7 +1443,7 @@
           <a:p>
             <a:fld id="{DDC9BA76-7BAD-4FE6-AD43-5E94B1E05FEE}" type="datetimeFigureOut">
               <a:rPr lang="vi-VN" smtClean="0"/>
-              <a:t>20/04/2023</a:t>
+              <a:t>27/04/2023</a:t>
             </a:fld>
             <a:endParaRPr lang="vi-VN"/>
           </a:p>
@@ -1855,7 +1855,7 @@
           <a:p>
             <a:fld id="{DDC9BA76-7BAD-4FE6-AD43-5E94B1E05FEE}" type="datetimeFigureOut">
               <a:rPr lang="vi-VN" smtClean="0"/>
-              <a:t>20/04/2023</a:t>
+              <a:t>27/04/2023</a:t>
             </a:fld>
             <a:endParaRPr lang="vi-VN"/>
           </a:p>
@@ -1996,7 +1996,7 @@
           <a:p>
             <a:fld id="{DDC9BA76-7BAD-4FE6-AD43-5E94B1E05FEE}" type="datetimeFigureOut">
               <a:rPr lang="vi-VN" smtClean="0"/>
-              <a:t>20/04/2023</a:t>
+              <a:t>27/04/2023</a:t>
             </a:fld>
             <a:endParaRPr lang="vi-VN"/>
           </a:p>
@@ -2109,7 +2109,7 @@
           <a:p>
             <a:fld id="{DDC9BA76-7BAD-4FE6-AD43-5E94B1E05FEE}" type="datetimeFigureOut">
               <a:rPr lang="vi-VN" smtClean="0"/>
-              <a:t>20/04/2023</a:t>
+              <a:t>27/04/2023</a:t>
             </a:fld>
             <a:endParaRPr lang="vi-VN"/>
           </a:p>
@@ -2420,7 +2420,7 @@
           <a:p>
             <a:fld id="{DDC9BA76-7BAD-4FE6-AD43-5E94B1E05FEE}" type="datetimeFigureOut">
               <a:rPr lang="vi-VN" smtClean="0"/>
-              <a:t>20/04/2023</a:t>
+              <a:t>27/04/2023</a:t>
             </a:fld>
             <a:endParaRPr lang="vi-VN"/>
           </a:p>
@@ -2708,7 +2708,7 @@
           <a:p>
             <a:fld id="{DDC9BA76-7BAD-4FE6-AD43-5E94B1E05FEE}" type="datetimeFigureOut">
               <a:rPr lang="vi-VN" smtClean="0"/>
-              <a:t>20/04/2023</a:t>
+              <a:t>27/04/2023</a:t>
             </a:fld>
             <a:endParaRPr lang="vi-VN"/>
           </a:p>
@@ -2949,7 +2949,7 @@
           <a:p>
             <a:fld id="{DDC9BA76-7BAD-4FE6-AD43-5E94B1E05FEE}" type="datetimeFigureOut">
               <a:rPr lang="vi-VN" smtClean="0"/>
-              <a:t>20/04/2023</a:t>
+              <a:t>27/04/2023</a:t>
             </a:fld>
             <a:endParaRPr lang="vi-VN"/>
           </a:p>
